--- a/presentation materials/Capstone powerpoint presentation.pptx
+++ b/presentation materials/Capstone powerpoint presentation.pptx
@@ -4584,7 +4584,7 @@
           <a:p>
             <a:r>
               <a:rPr lang="en-US" sz="1600" dirty="0"/>
-              <a:t>My educational background is in biology and environmental science. I’ve done scientific research on sustainable agriculture,  physiological neuroscience, and biodiversity. Which are just a fraction of fields that are included under the umbrella of conservation and sustainability.</a:t>
+              <a:t>My educational background is in biology and environmental science. I’ve done scientific research on sustainable agriculture,  conservation physiology, and biodiversity. Which are just a fraction of fields that are included under the umbrella of conservation and sustainability.</a:t>
             </a:r>
           </a:p>
           <a:p>
@@ -5028,7 +5028,7 @@
         </p:blipFill>
         <p:spPr>
           <a:xfrm>
-            <a:off x="20" y="14298"/>
+            <a:off x="0" y="10"/>
             <a:ext cx="12191980" cy="6857990"/>
           </a:xfrm>
           <a:prstGeom prst="rect">
@@ -5091,7 +5091,7 @@
         </p:nvSpPr>
         <p:spPr>
           <a:xfrm>
-            <a:off x="1159669" y="139004"/>
+            <a:off x="1159659" y="444927"/>
             <a:ext cx="9872662" cy="1569660"/>
           </a:xfrm>
           <a:prstGeom prst="rect">
@@ -5127,7 +5127,7 @@
         </p:nvSpPr>
         <p:spPr>
           <a:xfrm>
-            <a:off x="1581150" y="2137287"/>
+            <a:off x="1581150" y="2459504"/>
             <a:ext cx="9029700" cy="1938992"/>
           </a:xfrm>
           <a:prstGeom prst="rect">
@@ -6149,6 +6149,42 @@
           </a:prstGeom>
         </p:spPr>
       </p:pic>
+      <p:sp>
+        <p:nvSpPr>
+          <p:cNvPr id="22" name="TextBox 21">
+            <a:extLst>
+              <a:ext uri="{FF2B5EF4-FFF2-40B4-BE49-F238E27FC236}">
+                <a16:creationId xmlns:a16="http://schemas.microsoft.com/office/drawing/2014/main" id="{AB35D1B4-2602-CFB7-D137-7BE35A960DB0}"/>
+              </a:ext>
+            </a:extLst>
+          </p:cNvPr>
+          <p:cNvSpPr txBox="1"/>
+          <p:nvPr/>
+        </p:nvSpPr>
+        <p:spPr>
+          <a:xfrm>
+            <a:off x="8539973" y="3259568"/>
+            <a:ext cx="2542928" cy="369332"/>
+          </a:xfrm>
+          <a:prstGeom prst="rect">
+            <a:avLst/>
+          </a:prstGeom>
+          <a:noFill/>
+        </p:spPr>
+        <p:txBody>
+          <a:bodyPr wrap="square" rtlCol="0">
+            <a:spAutoFit/>
+          </a:bodyPr>
+          <a:lstStyle/>
+          <a:p>
+            <a:pPr algn="ctr"/>
+            <a:r>
+              <a:rPr lang="en-US" dirty="0"/>
+              <a:t>Source: NASA EPI index</a:t>
+            </a:r>
+          </a:p>
+        </p:txBody>
+      </p:sp>
     </p:spTree>
     <p:extLst>
       <p:ext uri="{BB962C8B-B14F-4D97-AF65-F5344CB8AC3E}">
@@ -6666,6 +6702,42 @@
           </a:prstGeom>
         </p:spPr>
       </p:pic>
+      <p:sp>
+        <p:nvSpPr>
+          <p:cNvPr id="6" name="TextBox 5">
+            <a:extLst>
+              <a:ext uri="{FF2B5EF4-FFF2-40B4-BE49-F238E27FC236}">
+                <a16:creationId xmlns:a16="http://schemas.microsoft.com/office/drawing/2014/main" id="{4A0E3B4F-A675-C8B0-8714-840E2FE738B0}"/>
+              </a:ext>
+            </a:extLst>
+          </p:cNvPr>
+          <p:cNvSpPr txBox="1"/>
+          <p:nvPr/>
+        </p:nvSpPr>
+        <p:spPr>
+          <a:xfrm>
+            <a:off x="9337065" y="6391011"/>
+            <a:ext cx="3057558" cy="369332"/>
+          </a:xfrm>
+          <a:prstGeom prst="rect">
+            <a:avLst/>
+          </a:prstGeom>
+          <a:noFill/>
+        </p:spPr>
+        <p:txBody>
+          <a:bodyPr wrap="square" rtlCol="0">
+            <a:spAutoFit/>
+          </a:bodyPr>
+          <a:lstStyle/>
+          <a:p>
+            <a:pPr algn="ctr"/>
+            <a:r>
+              <a:rPr lang="en-US" dirty="0"/>
+              <a:t>Source: NASA EPI index</a:t>
+            </a:r>
+          </a:p>
+        </p:txBody>
+      </p:sp>
     </p:spTree>
     <p:extLst>
       <p:ext uri="{BB962C8B-B14F-4D97-AF65-F5344CB8AC3E}">
